--- a/其他文档/平台跳跃-世界地图-沈.pptx
+++ b/其他文档/平台跳跃-世界地图-沈.pptx
@@ -3206,7 +3206,7 @@
         </p:nvSpPr>
         <p:spPr>
           <a:xfrm>
-            <a:off x="6100445" y="412750"/>
+            <a:off x="6100445" y="419735"/>
             <a:ext cx="5033645" cy="3644265"/>
           </a:xfrm>
           <a:custGeom>
@@ -4952,7 +4952,7 @@
         </p:nvSpPr>
         <p:spPr>
           <a:xfrm>
-            <a:off x="-80010" y="2496820"/>
+            <a:off x="-110490" y="2496820"/>
             <a:ext cx="4650105" cy="3916680"/>
           </a:xfrm>
           <a:custGeom>
@@ -5848,7 +5848,7 @@
         </p:nvSpPr>
         <p:spPr>
           <a:xfrm>
-            <a:off x="8910955" y="1440180"/>
+            <a:off x="8930640" y="1440180"/>
             <a:ext cx="309880" cy="320675"/>
           </a:xfrm>
           <a:prstGeom prst="diamond">
@@ -5965,7 +5965,7 @@
         </p:nvSpPr>
         <p:spPr>
           <a:xfrm>
-            <a:off x="9288780" y="4027805"/>
+            <a:off x="9316085" y="4027805"/>
             <a:ext cx="309880" cy="320675"/>
           </a:xfrm>
           <a:prstGeom prst="diamond">
@@ -6121,7 +6121,7 @@
         </p:nvSpPr>
         <p:spPr>
           <a:xfrm>
-            <a:off x="6967220" y="4959985"/>
+            <a:off x="6967220" y="4974590"/>
             <a:ext cx="309880" cy="320675"/>
           </a:xfrm>
           <a:prstGeom prst="diamond">
@@ -6846,7 +6846,7 @@
         <p:spPr>
           <a:xfrm flipH="1" flipV="1">
             <a:off x="8700770" y="975995"/>
-            <a:ext cx="365125" cy="464185"/>
+            <a:ext cx="384810" cy="464185"/>
           </a:xfrm>
           <a:prstGeom prst="line">
             <a:avLst/>
@@ -6878,8 +6878,8 @@
         </p:nvCxnSpPr>
         <p:spPr>
           <a:xfrm flipH="1" flipV="1">
-            <a:off x="9065895" y="1760855"/>
-            <a:ext cx="810260" cy="160655"/>
+            <a:off x="9085580" y="1760855"/>
+            <a:ext cx="790575" cy="160655"/>
           </a:xfrm>
           <a:prstGeom prst="line">
             <a:avLst/>
@@ -6974,8 +6974,8 @@
         </p:nvCxnSpPr>
         <p:spPr>
           <a:xfrm flipH="1">
-            <a:off x="9443720" y="3583940"/>
-            <a:ext cx="808990" cy="443865"/>
+            <a:off x="9471025" y="3583940"/>
+            <a:ext cx="781685" cy="443865"/>
           </a:xfrm>
           <a:prstGeom prst="line">
             <a:avLst/>
@@ -7008,7 +7008,7 @@
         <p:spPr>
           <a:xfrm flipH="1">
             <a:off x="8954770" y="4348480"/>
-            <a:ext cx="488950" cy="0"/>
+            <a:ext cx="516255" cy="0"/>
           </a:xfrm>
           <a:prstGeom prst="line">
             <a:avLst/>
@@ -7135,7 +7135,7 @@
         <p:spPr>
           <a:xfrm flipH="1" flipV="1">
             <a:off x="6812280" y="4377690"/>
-            <a:ext cx="309880" cy="582295"/>
+            <a:ext cx="309880" cy="596900"/>
           </a:xfrm>
           <a:prstGeom prst="line">
             <a:avLst/>
